--- a/QB/Review/SR_ReviewQuestions_Chap11.pptx
+++ b/QB/Review/SR_ReviewQuestions_Chap11.pptx
@@ -130,6 +130,36 @@
       </a:defRPr>
     </a:lvl9pPr>
   </p:defaultTextStyle>
+  <p:extLst>
+    <p:ext uri="{EFAFB233-063F-42B5-8137-9DF3F51BA10A}">
+      <p15:sldGuideLst xmlns:p15="http://schemas.microsoft.com/office/powerpoint/2012/main">
+        <p15:guide id="1" orient="horz" pos="2160">
+          <p15:clr>
+            <a:srgbClr val="A4A3A4"/>
+          </p15:clr>
+        </p15:guide>
+        <p15:guide id="2" pos="2880">
+          <p15:clr>
+            <a:srgbClr val="A4A3A4"/>
+          </p15:clr>
+        </p15:guide>
+      </p15:sldGuideLst>
+    </p:ext>
+    <p:ext uri="{2D200454-40CA-4A62-9FC3-DE9A4176ACB9}">
+      <p15:notesGuideLst xmlns:p15="http://schemas.microsoft.com/office/powerpoint/2012/main">
+        <p15:guide id="1" orient="horz" pos="2928">
+          <p15:clr>
+            <a:srgbClr val="A4A3A4"/>
+          </p15:clr>
+        </p15:guide>
+        <p15:guide id="2" pos="2208">
+          <p15:clr>
+            <a:srgbClr val="A4A3A4"/>
+          </p15:clr>
+        </p15:guide>
+      </p15:notesGuideLst>
+    </p:ext>
+  </p:extLst>
 </p:presentation>
 </file>
 
@@ -216,7 +246,7 @@
             <a:fld id="{EA687571-E8B4-4A21-8CC7-68659B0E3E61}" type="datetimeFigureOut">
               <a:rPr lang="en-US" smtClean="0"/>
               <a:pPr/>
-              <a:t>8/19/2012</a:t>
+              <a:t>8/26/2014</a:t>
             </a:fld>
             <a:endParaRPr lang="en-US" dirty="0"/>
           </a:p>
@@ -290,6 +320,11 @@
         </p:txBody>
       </p:sp>
     </p:spTree>
+    <p:extLst>
+      <p:ext uri="{BB962C8B-B14F-4D97-AF65-F5344CB8AC3E}">
+        <p14:creationId xmlns:p14="http://schemas.microsoft.com/office/powerpoint/2010/main" val="1241168766"/>
+      </p:ext>
+    </p:extLst>
   </p:cSld>
   <p:clrMap bg1="lt1" tx1="dk1" bg2="lt2" tx2="dk2" accent1="accent1" accent2="accent2" accent3="accent3" accent4="accent4" accent5="accent5" accent6="accent6" hlink="hlink" folHlink="folHlink"/>
 </p:handoutMaster>
@@ -378,7 +413,7 @@
             <a:fld id="{CDA5622F-6802-4ED9-98B1-448FD36C51E4}" type="datetimeFigureOut">
               <a:rPr lang="en-US" smtClean="0"/>
               <a:pPr/>
-              <a:t>8/19/2012</a:t>
+              <a:t>8/26/2014</a:t>
             </a:fld>
             <a:endParaRPr lang="en-US" dirty="0"/>
           </a:p>
@@ -547,6 +582,11 @@
         </p:txBody>
       </p:sp>
     </p:spTree>
+    <p:extLst>
+      <p:ext uri="{BB962C8B-B14F-4D97-AF65-F5344CB8AC3E}">
+        <p14:creationId xmlns:p14="http://schemas.microsoft.com/office/powerpoint/2010/main" val="1272735429"/>
+      </p:ext>
+    </p:extLst>
   </p:cSld>
   <p:clrMap bg1="lt1" tx1="dk1" bg2="lt2" tx2="dk2" accent1="accent1" accent2="accent2" accent3="accent3" accent4="accent4" accent5="accent5" accent6="accent6" hlink="hlink" folHlink="folHlink"/>
   <p:notesStyle>
@@ -719,6 +759,11 @@
         </p:txBody>
       </p:sp>
     </p:spTree>
+    <p:extLst>
+      <p:ext uri="{BB962C8B-B14F-4D97-AF65-F5344CB8AC3E}">
+        <p14:creationId xmlns:p14="http://schemas.microsoft.com/office/powerpoint/2010/main" val="3914115918"/>
+      </p:ext>
+    </p:extLst>
   </p:cSld>
   <p:clrMapOvr>
     <a:masterClrMapping/>
@@ -904,7 +949,7 @@
             <a:fld id="{B549B619-4078-494B-AEFE-67D4E8B86990}" type="datetimeFigureOut">
               <a:rPr lang="en-US" smtClean="0"/>
               <a:pPr/>
-              <a:t>8/19/2012</a:t>
+              <a:t>8/26/2014</a:t>
             </a:fld>
             <a:endParaRPr lang="en-US" dirty="0"/>
           </a:p>
@@ -1191,7 +1236,7 @@
             <a:fld id="{B549B619-4078-494B-AEFE-67D4E8B86990}" type="datetimeFigureOut">
               <a:rPr lang="en-US" smtClean="0"/>
               <a:pPr/>
-              <a:t>8/19/2012</a:t>
+              <a:t>8/26/2014</a:t>
             </a:fld>
             <a:endParaRPr lang="en-US" dirty="0"/>
           </a:p>
@@ -1368,7 +1413,7 @@
             <a:fld id="{B549B619-4078-494B-AEFE-67D4E8B86990}" type="datetimeFigureOut">
               <a:rPr lang="en-US" smtClean="0"/>
               <a:pPr/>
-              <a:t>8/19/2012</a:t>
+              <a:t>8/26/2014</a:t>
             </a:fld>
             <a:endParaRPr lang="en-US" dirty="0"/>
           </a:p>
@@ -2052,7 +2097,7 @@
             <a:fld id="{B549B619-4078-494B-AEFE-67D4E8B86990}" type="datetimeFigureOut">
               <a:rPr lang="en-US" smtClean="0"/>
               <a:pPr/>
-              <a:t>8/19/2012</a:t>
+              <a:t>8/26/2014</a:t>
             </a:fld>
             <a:endParaRPr lang="en-US" dirty="0"/>
           </a:p>
@@ -2337,7 +2382,7 @@
             <a:fld id="{B549B619-4078-494B-AEFE-67D4E8B86990}" type="datetimeFigureOut">
               <a:rPr lang="en-US" smtClean="0"/>
               <a:pPr/>
-              <a:t>8/19/2012</a:t>
+              <a:t>8/26/2014</a:t>
             </a:fld>
             <a:endParaRPr lang="en-US" dirty="0"/>
           </a:p>
@@ -2756,7 +2801,7 @@
             <a:fld id="{B549B619-4078-494B-AEFE-67D4E8B86990}" type="datetimeFigureOut">
               <a:rPr lang="en-US" smtClean="0"/>
               <a:pPr/>
-              <a:t>8/19/2012</a:t>
+              <a:t>8/26/2014</a:t>
             </a:fld>
             <a:endParaRPr lang="en-US" dirty="0"/>
           </a:p>
@@ -2871,7 +2916,7 @@
             <a:fld id="{B549B619-4078-494B-AEFE-67D4E8B86990}" type="datetimeFigureOut">
               <a:rPr lang="en-US" smtClean="0"/>
               <a:pPr/>
-              <a:t>8/19/2012</a:t>
+              <a:t>8/26/2014</a:t>
             </a:fld>
             <a:endParaRPr lang="en-US" dirty="0"/>
           </a:p>
@@ -2963,7 +3008,7 @@
             <a:fld id="{B549B619-4078-494B-AEFE-67D4E8B86990}" type="datetimeFigureOut">
               <a:rPr lang="en-US" smtClean="0"/>
               <a:pPr/>
-              <a:t>8/19/2012</a:t>
+              <a:t>8/26/2014</a:t>
             </a:fld>
             <a:endParaRPr lang="en-US" dirty="0"/>
           </a:p>
@@ -3237,7 +3282,7 @@
             <a:fld id="{B549B619-4078-494B-AEFE-67D4E8B86990}" type="datetimeFigureOut">
               <a:rPr lang="en-US" smtClean="0"/>
               <a:pPr/>
-              <a:t>8/19/2012</a:t>
+              <a:t>8/26/2014</a:t>
             </a:fld>
             <a:endParaRPr lang="en-US" dirty="0"/>
           </a:p>
@@ -3487,7 +3532,7 @@
             <a:fld id="{B549B619-4078-494B-AEFE-67D4E8B86990}" type="datetimeFigureOut">
               <a:rPr lang="en-US" smtClean="0"/>
               <a:pPr/>
-              <a:t>8/19/2012</a:t>
+              <a:t>8/26/2014</a:t>
             </a:fld>
             <a:endParaRPr lang="en-US" dirty="0"/>
           </a:p>
@@ -3703,7 +3748,7 @@
             <a:fld id="{B549B619-4078-494B-AEFE-67D4E8B86990}" type="datetimeFigureOut">
               <a:rPr lang="en-US" smtClean="0"/>
               <a:pPr/>
-              <a:t>8/19/2012</a:t>
+              <a:t>8/26/2014</a:t>
             </a:fld>
             <a:endParaRPr lang="en-US" dirty="0"/>
           </a:p>
@@ -4453,6 +4498,13 @@
   <p:transition>
     <p:fade/>
   </p:transition>
+  <p:timing>
+    <p:tnLst>
+      <p:par>
+        <p:cTn id="1" dur="indefinite" restart="never" nodeType="tmRoot"/>
+      </p:par>
+    </p:tnLst>
+  </p:timing>
 </p:sld>
 </file>
 
@@ -4565,6 +4617,13 @@
   <p:transition>
     <p:fade/>
   </p:transition>
+  <p:timing>
+    <p:tnLst>
+      <p:par>
+        <p:cTn id="1" dur="indefinite" restart="never" nodeType="tmRoot"/>
+      </p:par>
+    </p:tnLst>
+  </p:timing>
 </p:sld>
 </file>
 
@@ -4679,6 +4738,13 @@
   <p:transition>
     <p:fade/>
   </p:transition>
+  <p:timing>
+    <p:tnLst>
+      <p:par>
+        <p:cTn id="1" dur="indefinite" restart="never" nodeType="tmRoot"/>
+      </p:par>
+    </p:tnLst>
+  </p:timing>
 </p:sld>
 </file>
 
@@ -4735,19 +4801,7 @@
           <a:p>
             <a:r>
               <a:rPr lang="en-US" dirty="0" smtClean="0"/>
-              <a:t>All of the </a:t>
-            </a:r>
-            <a:r>
-              <a:rPr lang="en-US" dirty="0" smtClean="0"/>
-              <a:t>following are </a:t>
-            </a:r>
-            <a:r>
-              <a:rPr lang="en-US" dirty="0" smtClean="0"/>
-              <a:t>causes </a:t>
-            </a:r>
-            <a:r>
-              <a:rPr lang="en-US" dirty="0" smtClean="0"/>
-              <a:t>of goal </a:t>
+              <a:t>All of the following are causes of goal </a:t>
             </a:r>
             <a:r>
               <a:rPr lang="en-US" dirty="0" err="1" smtClean="0"/>
@@ -4755,11 +4809,7 @@
             </a:r>
             <a:r>
               <a:rPr lang="en-US" dirty="0" smtClean="0"/>
-              <a:t> by </a:t>
-            </a:r>
-            <a:r>
-              <a:rPr lang="en-US" dirty="0" smtClean="0"/>
-              <a:t>agents, except?</a:t>
+              <a:t> by agents, except?</a:t>
             </a:r>
           </a:p>
           <a:p>
@@ -4837,15 +4887,7 @@
                   <a:schemeClr val="accent1"/>
                 </a:solidFill>
               </a:rPr>
-              <a:t>State variables to be evaluated in </a:t>
-            </a:r>
-            <a:r>
-              <a:rPr lang="en-US" dirty="0" smtClean="0">
-                <a:solidFill>
-                  <a:schemeClr val="accent1"/>
-                </a:solidFill>
-              </a:rPr>
-              <a:t>current states</a:t>
+              <a:t>State variables to be evaluated in current states</a:t>
             </a:r>
             <a:endParaRPr lang="en-US" dirty="0" smtClean="0"/>
           </a:p>
@@ -4863,6 +4905,13 @@
   <p:transition>
     <p:fade/>
   </p:transition>
+  <p:timing>
+    <p:tnLst>
+      <p:par>
+        <p:cTn id="1" dur="indefinite" restart="never" nodeType="tmRoot"/>
+      </p:par>
+    </p:tnLst>
+  </p:timing>
 </p:sld>
 </file>
 
@@ -5009,15 +5058,7 @@
                   <a:schemeClr val="accent1"/>
                 </a:solidFill>
               </a:rPr>
-              <a:t>State variables to be evaluated in future </a:t>
-            </a:r>
-            <a:r>
-              <a:rPr lang="en-US" dirty="0" smtClean="0">
-                <a:solidFill>
-                  <a:schemeClr val="accent1"/>
-                </a:solidFill>
-              </a:rPr>
-              <a:t>states</a:t>
+              <a:t>State variables to be evaluated in future states</a:t>
             </a:r>
             <a:endParaRPr lang="en-US" dirty="0" smtClean="0">
               <a:solidFill>
@@ -5043,20 +5084,7 @@
                   </a:outerShdw>
                 </a:effectLst>
               </a:rPr>
-              <a:t>Lack </a:t>
-            </a:r>
-            <a:r>
-              <a:rPr lang="en-US" dirty="0" smtClean="0">
-                <a:solidFill>
-                  <a:schemeClr val="accent1"/>
-                </a:solidFill>
-                <a:effectLst>
-                  <a:outerShdw blurRad="38100" dist="38100" dir="2700000" algn="tl">
-                    <a:srgbClr val="000000"/>
-                  </a:outerShdw>
-                </a:effectLst>
-              </a:rPr>
-              <a:t>of controllability</a:t>
+              <a:t>Lack of controllability</a:t>
             </a:r>
             <a:r>
               <a:rPr lang="en-US" dirty="0" smtClean="0">
@@ -5082,6 +5110,13 @@
   <p:transition>
     <p:fade/>
   </p:transition>
+  <p:timing>
+    <p:tnLst>
+      <p:par>
+        <p:cTn id="1" dur="indefinite" restart="never" nodeType="tmRoot"/>
+      </p:par>
+    </p:tnLst>
+  </p:timing>
 </p:sld>
 </file>
 
@@ -5138,15 +5173,7 @@
           <a:p>
             <a:r>
               <a:rPr lang="en-US" dirty="0" smtClean="0"/>
-              <a:t>Which of the following is a partial view of agent diagram focus </a:t>
-            </a:r>
-            <a:r>
-              <a:rPr lang="en-US" dirty="0" smtClean="0"/>
-              <a:t>on capabilities &amp; </a:t>
-            </a:r>
-            <a:r>
-              <a:rPr lang="en-US" dirty="0" smtClean="0"/>
-              <a:t>interfaces?</a:t>
+              <a:t>Which of the following is a partial view of agent diagram focus on capabilities &amp; interfaces?</a:t>
             </a:r>
           </a:p>
           <a:p>
@@ -5188,6 +5215,13 @@
   <p:transition>
     <p:fade/>
   </p:transition>
+  <p:timing>
+    <p:tnLst>
+      <p:par>
+        <p:cTn id="1" dur="indefinite" restart="never" nodeType="tmRoot"/>
+      </p:par>
+    </p:tnLst>
+  </p:timing>
 </p:sld>
 </file>
 
@@ -5244,7 +5278,15 @@
           <a:p>
             <a:r>
               <a:rPr lang="en-US" dirty="0" smtClean="0"/>
-              <a:t>In the following diagram, it is true if we say that Participant depends on Schedule on satisfying goal “Constraints Transmitted”?</a:t>
+              <a:t>In the following diagram, it is true if we say that Participant depends on </a:t>
+            </a:r>
+            <a:r>
+              <a:rPr lang="en-US" dirty="0" smtClean="0"/>
+              <a:t>Scheduler </a:t>
+            </a:r>
+            <a:r>
+              <a:rPr lang="en-US" dirty="0" smtClean="0"/>
+              <a:t>on satisfying goal “Constraints Transmitted”?</a:t>
             </a:r>
           </a:p>
           <a:p>
@@ -5278,9 +5320,59 @@
         </p:xfrm>
         <a:graphic>
           <a:graphicData uri="http://schemas.openxmlformats.org/presentationml/2006/ole">
-            <p:oleObj spid="_x0000_s1026" name="Picture" r:id="rId3" imgW="3879360" imgH="1554480" progId="Word.Picture.8">
-              <p:embed/>
-            </p:oleObj>
+            <mc:AlternateContent xmlns:mc="http://schemas.openxmlformats.org/markup-compatibility/2006">
+              <mc:Choice xmlns:v="urn:schemas-microsoft-com:vml" Requires="v">
+                <p:oleObj spid="_x0000_s1027" name="Picture" r:id="rId3" imgW="3879360" imgH="1554480" progId="Word.Picture.8">
+                  <p:embed/>
+                </p:oleObj>
+              </mc:Choice>
+              <mc:Fallback>
+                <p:oleObj name="Picture" r:id="rId3" imgW="3879360" imgH="1554480" progId="Word.Picture.8">
+                  <p:embed/>
+                  <p:pic>
+                    <p:nvPicPr>
+                      <p:cNvPr id="0" name="Object 12"/>
+                      <p:cNvPicPr>
+                        <a:picLocks noChangeAspect="1" noChangeArrowheads="1"/>
+                      </p:cNvPicPr>
+                      <p:nvPr/>
+                    </p:nvPicPr>
+                    <p:blipFill>
+                      <a:blip r:embed="rId4">
+                        <a:extLst>
+                          <a:ext uri="{28A0092B-C50C-407E-A947-70E740481C1C}">
+                            <a14:useLocalDpi xmlns:a14="http://schemas.microsoft.com/office/drawing/2010/main" val="0"/>
+                          </a:ext>
+                        </a:extLst>
+                      </a:blip>
+                      <a:srcRect/>
+                      <a:stretch>
+                        <a:fillRect/>
+                      </a:stretch>
+                    </p:blipFill>
+                    <p:spPr bwMode="auto">
+                      <a:xfrm>
+                        <a:off x="2082800" y="3429000"/>
+                        <a:ext cx="7061200" cy="2900362"/>
+                      </a:xfrm>
+                      <a:prstGeom prst="rect">
+                        <a:avLst/>
+                      </a:prstGeom>
+                      <a:noFill/>
+                      <a:extLst>
+                        <a:ext uri="{909E8E84-426E-40DD-AFC4-6F175D3DCCD1}">
+                          <a14:hiddenFill xmlns:a14="http://schemas.microsoft.com/office/drawing/2010/main">
+                            <a:solidFill>
+                              <a:srgbClr val="FFFFFF"/>
+                            </a:solidFill>
+                          </a14:hiddenFill>
+                        </a:ext>
+                      </a:extLst>
+                    </p:spPr>
+                  </p:pic>
+                </p:oleObj>
+              </mc:Fallback>
+            </mc:AlternateContent>
           </a:graphicData>
         </a:graphic>
       </p:graphicFrame>
@@ -5292,6 +5384,13 @@
   <p:transition>
     <p:fade/>
   </p:transition>
+  <p:timing>
+    <p:tnLst>
+      <p:par>
+        <p:cTn id="1" dur="indefinite" restart="never" nodeType="tmRoot"/>
+      </p:par>
+    </p:tnLst>
+  </p:timing>
 </p:sld>
 </file>
 
@@ -5355,57 +5454,21 @@
             <a:pPr lvl="1"/>
             <a:r>
               <a:rPr lang="en-US" dirty="0" smtClean="0"/>
-              <a:t> </a:t>
-            </a:r>
-            <a:r>
-              <a:rPr lang="en-US" dirty="0" smtClean="0"/>
-              <a:t>A goal-agent co-refinement </a:t>
-            </a:r>
-            <a:r>
-              <a:rPr lang="en-US" dirty="0" smtClean="0"/>
-              <a:t>pattern in </a:t>
-            </a:r>
-            <a:r>
-              <a:rPr lang="en-US" dirty="0" smtClean="0"/>
-              <a:t>process </a:t>
-            </a:r>
-            <a:r>
-              <a:rPr lang="en-US" dirty="0" smtClean="0"/>
-              <a:t>control</a:t>
-            </a:r>
-          </a:p>
-          <a:p>
-            <a:pPr lvl="1"/>
-            <a:r>
-              <a:rPr lang="en-US" dirty="0" smtClean="0"/>
-              <a:t>A </a:t>
-            </a:r>
-            <a:r>
-              <a:rPr lang="en-US" dirty="0" smtClean="0"/>
-              <a:t>goal refinement pattern in </a:t>
-            </a:r>
-            <a:r>
-              <a:rPr lang="en-US" dirty="0" smtClean="0"/>
-              <a:t>process </a:t>
-            </a:r>
-            <a:r>
-              <a:rPr lang="en-US" dirty="0" smtClean="0"/>
-              <a:t>control</a:t>
-            </a:r>
-          </a:p>
-          <a:p>
-            <a:pPr lvl="1"/>
-            <a:r>
-              <a:rPr lang="en-US" dirty="0" smtClean="0"/>
-              <a:t>A </a:t>
-            </a:r>
-            <a:r>
-              <a:rPr lang="en-US" dirty="0" smtClean="0"/>
-              <a:t>agent refinement pattern in </a:t>
-            </a:r>
-            <a:r>
-              <a:rPr lang="en-US" dirty="0" smtClean="0"/>
-              <a:t>process control</a:t>
+              <a:t> A goal-agent co-refinement pattern in process control</a:t>
+            </a:r>
+          </a:p>
+          <a:p>
+            <a:pPr lvl="1"/>
+            <a:r>
+              <a:rPr lang="en-US" dirty="0" smtClean="0"/>
+              <a:t>A goal refinement pattern in process control</a:t>
+            </a:r>
+          </a:p>
+          <a:p>
+            <a:pPr lvl="1"/>
+            <a:r>
+              <a:rPr lang="en-US" dirty="0" smtClean="0"/>
+              <a:t>A agent refinement pattern in process control</a:t>
             </a:r>
           </a:p>
           <a:p>
@@ -5430,9 +5493,59 @@
         </p:xfrm>
         <a:graphic>
           <a:graphicData uri="http://schemas.openxmlformats.org/presentationml/2006/ole">
-            <p:oleObj spid="_x0000_s2050" name="Picture" r:id="rId3" imgW="5850360" imgH="1374120" progId="Word.Picture.8">
-              <p:embed/>
-            </p:oleObj>
+            <mc:AlternateContent xmlns:mc="http://schemas.openxmlformats.org/markup-compatibility/2006">
+              <mc:Choice xmlns:v="urn:schemas-microsoft-com:vml" Requires="v">
+                <p:oleObj spid="_x0000_s2051" name="Picture" r:id="rId3" imgW="5850360" imgH="1374120" progId="Word.Picture.8">
+                  <p:embed/>
+                </p:oleObj>
+              </mc:Choice>
+              <mc:Fallback>
+                <p:oleObj name="Picture" r:id="rId3" imgW="5850360" imgH="1374120" progId="Word.Picture.8">
+                  <p:embed/>
+                  <p:pic>
+                    <p:nvPicPr>
+                      <p:cNvPr id="0" name="Object 7"/>
+                      <p:cNvPicPr>
+                        <a:picLocks noChangeAspect="1" noChangeArrowheads="1"/>
+                      </p:cNvPicPr>
+                      <p:nvPr/>
+                    </p:nvPicPr>
+                    <p:blipFill>
+                      <a:blip r:embed="rId4">
+                        <a:extLst>
+                          <a:ext uri="{28A0092B-C50C-407E-A947-70E740481C1C}">
+                            <a14:useLocalDpi xmlns:a14="http://schemas.microsoft.com/office/drawing/2010/main" val="0"/>
+                          </a:ext>
+                        </a:extLst>
+                      </a:blip>
+                      <a:srcRect/>
+                      <a:stretch>
+                        <a:fillRect/>
+                      </a:stretch>
+                    </p:blipFill>
+                    <p:spPr bwMode="auto">
+                      <a:xfrm>
+                        <a:off x="0" y="3810000"/>
+                        <a:ext cx="9144000" cy="2570162"/>
+                      </a:xfrm>
+                      <a:prstGeom prst="rect">
+                        <a:avLst/>
+                      </a:prstGeom>
+                      <a:noFill/>
+                      <a:extLst>
+                        <a:ext uri="{909E8E84-426E-40DD-AFC4-6F175D3DCCD1}">
+                          <a14:hiddenFill xmlns:a14="http://schemas.microsoft.com/office/drawing/2010/main">
+                            <a:solidFill>
+                              <a:srgbClr val="FFFFFF"/>
+                            </a:solidFill>
+                          </a14:hiddenFill>
+                        </a:ext>
+                      </a:extLst>
+                    </p:spPr>
+                  </p:pic>
+                </p:oleObj>
+              </mc:Fallback>
+            </mc:AlternateContent>
           </a:graphicData>
         </a:graphic>
       </p:graphicFrame>
@@ -5444,6 +5557,13 @@
   <p:transition>
     <p:fade/>
   </p:transition>
+  <p:timing>
+    <p:tnLst>
+      <p:par>
+        <p:cTn id="1" dur="indefinite" restart="never" nodeType="tmRoot"/>
+      </p:par>
+    </p:tnLst>
+  </p:timing>
 </p:sld>
 </file>
 
@@ -5502,33 +5622,21 @@
           <a:p>
             <a:r>
               <a:rPr lang="en-US" dirty="0" smtClean="0"/>
-              <a:t>Which of the following is NOT a rule for agent identification when building agent model</a:t>
-            </a:r>
-            <a:r>
-              <a:rPr lang="en-US" dirty="0" smtClean="0"/>
-              <a:t>?</a:t>
-            </a:r>
-          </a:p>
-          <a:p>
-            <a:pPr lvl="1"/>
-            <a:r>
-              <a:rPr lang="en-US" dirty="0" smtClean="0"/>
-              <a:t>For a goal already identified in the goal model, review all the objects that are active ones. For each object determine what attribute and association in the object model the object can monitor or control</a:t>
-            </a:r>
-            <a:r>
-              <a:rPr lang="en-US" dirty="0" smtClean="0"/>
-              <a:t>.</a:t>
-            </a:r>
-          </a:p>
-          <a:p>
-            <a:pPr lvl="1"/>
-            <a:r>
-              <a:rPr lang="en-US" dirty="0" smtClean="0"/>
-              <a:t>For a goal already identified in the goal model, identify what agents could be made responsible for it. Then, for every object this goal refer to, determine the object's attributes and associations in the object model that could be monitored and controlled by those agent</a:t>
-            </a:r>
-            <a:r>
-              <a:rPr lang="en-US" dirty="0" smtClean="0"/>
-              <a:t>.</a:t>
+              <a:t>Which of the following is NOT a rule for agent identification when building agent model?</a:t>
+            </a:r>
+          </a:p>
+          <a:p>
+            <a:pPr lvl="1"/>
+            <a:r>
+              <a:rPr lang="en-US" dirty="0" smtClean="0"/>
+              <a:t>For a goal already identified in the goal model, review all the objects that are active ones. For each object determine what attribute and association in the object model the object can monitor or control.</a:t>
+            </a:r>
+          </a:p>
+          <a:p>
+            <a:pPr lvl="1"/>
+            <a:r>
+              <a:rPr lang="en-US" dirty="0" smtClean="0"/>
+              <a:t>For a goal already identified in the goal model, identify what agents could be made responsible for it. Then, for every object this goal refer to, determine the object's attributes and associations in the object model that could be monitored and controlled by those agent.</a:t>
             </a:r>
           </a:p>
           <a:p>
@@ -5613,44 +5721,28 @@
           <a:p>
             <a:r>
               <a:rPr lang="en-US" dirty="0" smtClean="0"/>
-              <a:t>Which of the following is NOT a rule for agent identification when building agent model</a:t>
-            </a:r>
-            <a:r>
-              <a:rPr lang="en-US" dirty="0" smtClean="0"/>
-              <a:t>?</a:t>
-            </a:r>
-          </a:p>
-          <a:p>
-            <a:pPr lvl="1"/>
-            <a:r>
-              <a:rPr lang="en-US" dirty="0" smtClean="0"/>
-              <a:t>Variable monitor/controller</a:t>
-            </a:r>
-            <a:r>
-              <a:rPr lang="en-US" dirty="0" smtClean="0"/>
-              <a:t>.</a:t>
-            </a:r>
-          </a:p>
-          <a:p>
-            <a:pPr lvl="1"/>
-            <a:r>
-              <a:rPr lang="en-US" dirty="0" smtClean="0"/>
-              <a:t>Goal </a:t>
-            </a:r>
-            <a:r>
-              <a:rPr lang="en-US" dirty="0" smtClean="0"/>
-              <a:t>wisher</a:t>
-            </a:r>
-          </a:p>
-          <a:p>
-            <a:pPr lvl="1"/>
-            <a:r>
-              <a:rPr lang="en-US" dirty="0" smtClean="0"/>
-              <a:t>Goal </a:t>
-            </a:r>
-            <a:r>
-              <a:rPr lang="en-US" dirty="0" smtClean="0"/>
-              <a:t>enforcer</a:t>
+              <a:t>Which of the following is NOT a rule for agent identification when building agent model?</a:t>
+            </a:r>
+          </a:p>
+          <a:p>
+            <a:pPr lvl="1"/>
+            <a:r>
+              <a:rPr lang="en-US" dirty="0" smtClean="0"/>
+              <a:t>Variable monitor/controller.</a:t>
+            </a:r>
+          </a:p>
+          <a:p>
+            <a:pPr lvl="1"/>
+            <a:r>
+              <a:rPr lang="en-US" dirty="0" smtClean="0"/>
+              <a:t>Goal wisher</a:t>
+            </a:r>
+          </a:p>
+          <a:p>
+            <a:pPr lvl="1"/>
+            <a:r>
+              <a:rPr lang="en-US" dirty="0" smtClean="0"/>
+              <a:t>Goal enforcer</a:t>
             </a:r>
           </a:p>
           <a:p>
@@ -5819,6 +5911,13 @@
   <p:transition>
     <p:fade/>
   </p:transition>
+  <p:timing>
+    <p:tnLst>
+      <p:par>
+        <p:cTn id="1" dur="indefinite" restart="never" nodeType="tmRoot"/>
+      </p:par>
+    </p:tnLst>
+  </p:timing>
 </p:sld>
 </file>
 
@@ -5875,44 +5974,28 @@
           <a:p>
             <a:r>
               <a:rPr lang="en-US" dirty="0" smtClean="0"/>
-              <a:t>Which of the following is NOT a rule for agent responsibility when building agent model</a:t>
-            </a:r>
-            <a:r>
-              <a:rPr lang="en-US" dirty="0" smtClean="0"/>
-              <a:t>?</a:t>
-            </a:r>
-          </a:p>
-          <a:p>
-            <a:pPr lvl="1"/>
-            <a:r>
-              <a:rPr lang="en-US" dirty="0" smtClean="0"/>
-              <a:t>Assignment to </a:t>
-            </a:r>
-            <a:r>
-              <a:rPr lang="en-US" dirty="0" smtClean="0"/>
-              <a:t>wisher</a:t>
-            </a:r>
-          </a:p>
-          <a:p>
-            <a:pPr lvl="1"/>
-            <a:r>
-              <a:rPr lang="en-US" dirty="0" smtClean="0"/>
-              <a:t>Assignment </a:t>
-            </a:r>
-            <a:r>
-              <a:rPr lang="en-US" dirty="0" smtClean="0"/>
-              <a:t>refinement</a:t>
-            </a:r>
-          </a:p>
-          <a:p>
-            <a:pPr lvl="1"/>
-            <a:r>
-              <a:rPr lang="en-US" dirty="0" smtClean="0"/>
-              <a:t>Assignment based on goal-capability </a:t>
-            </a:r>
-            <a:r>
-              <a:rPr lang="en-US" dirty="0" smtClean="0"/>
-              <a:t>matching</a:t>
+              <a:t>Which of the following is NOT a rule for agent responsibility when building agent model?</a:t>
+            </a:r>
+          </a:p>
+          <a:p>
+            <a:pPr lvl="1"/>
+            <a:r>
+              <a:rPr lang="en-US" dirty="0" smtClean="0"/>
+              <a:t>Assignment to wisher</a:t>
+            </a:r>
+          </a:p>
+          <a:p>
+            <a:pPr lvl="1"/>
+            <a:r>
+              <a:rPr lang="en-US" dirty="0" smtClean="0"/>
+              <a:t>Assignment refinement</a:t>
+            </a:r>
+          </a:p>
+          <a:p>
+            <a:pPr lvl="1"/>
+            <a:r>
+              <a:rPr lang="en-US" dirty="0" smtClean="0"/>
+              <a:t>Assignment based on goal-capability matching</a:t>
             </a:r>
           </a:p>
           <a:p>
@@ -6026,9 +6109,59 @@
         </p:xfrm>
         <a:graphic>
           <a:graphicData uri="http://schemas.openxmlformats.org/presentationml/2006/ole">
-            <p:oleObj spid="_x0000_s3074" name="Picture" r:id="rId3" imgW="4320360" imgH="1194480" progId="Word.Picture.8">
-              <p:embed/>
-            </p:oleObj>
+            <mc:AlternateContent xmlns:mc="http://schemas.openxmlformats.org/markup-compatibility/2006">
+              <mc:Choice xmlns:v="urn:schemas-microsoft-com:vml" Requires="v">
+                <p:oleObj spid="_x0000_s3075" name="Picture" r:id="rId3" imgW="4320360" imgH="1194480" progId="Word.Picture.8">
+                  <p:embed/>
+                </p:oleObj>
+              </mc:Choice>
+              <mc:Fallback>
+                <p:oleObj name="Picture" r:id="rId3" imgW="4320360" imgH="1194480" progId="Word.Picture.8">
+                  <p:embed/>
+                  <p:pic>
+                    <p:nvPicPr>
+                      <p:cNvPr id="0" name="Object 29"/>
+                      <p:cNvPicPr>
+                        <a:picLocks noChangeAspect="1" noChangeArrowheads="1"/>
+                      </p:cNvPicPr>
+                      <p:nvPr/>
+                    </p:nvPicPr>
+                    <p:blipFill>
+                      <a:blip r:embed="rId4">
+                        <a:extLst>
+                          <a:ext uri="{28A0092B-C50C-407E-A947-70E740481C1C}">
+                            <a14:useLocalDpi xmlns:a14="http://schemas.microsoft.com/office/drawing/2010/main" val="0"/>
+                          </a:ext>
+                        </a:extLst>
+                      </a:blip>
+                      <a:srcRect/>
+                      <a:stretch>
+                        <a:fillRect/>
+                      </a:stretch>
+                    </p:blipFill>
+                    <p:spPr bwMode="auto">
+                      <a:xfrm>
+                        <a:off x="-223838" y="3581400"/>
+                        <a:ext cx="9367838" cy="2549525"/>
+                      </a:xfrm>
+                      <a:prstGeom prst="rect">
+                        <a:avLst/>
+                      </a:prstGeom>
+                      <a:noFill/>
+                      <a:extLst>
+                        <a:ext uri="{909E8E84-426E-40DD-AFC4-6F175D3DCCD1}">
+                          <a14:hiddenFill xmlns:a14="http://schemas.microsoft.com/office/drawing/2010/main">
+                            <a:solidFill>
+                              <a:srgbClr val="FFFFFF"/>
+                            </a:solidFill>
+                          </a14:hiddenFill>
+                        </a:ext>
+                      </a:extLst>
+                    </p:spPr>
+                  </p:pic>
+                </p:oleObj>
+              </mc:Fallback>
+            </mc:AlternateContent>
           </a:graphicData>
         </a:graphic>
       </p:graphicFrame>
@@ -6148,6 +6281,13 @@
   <p:transition>
     <p:fade/>
   </p:transition>
+  <p:timing>
+    <p:tnLst>
+      <p:par>
+        <p:cTn id="1" dur="indefinite" restart="never" nodeType="tmRoot"/>
+      </p:par>
+    </p:tnLst>
+  </p:timing>
 </p:sld>
 </file>
 
@@ -6246,6 +6386,13 @@
   <p:transition>
     <p:fade/>
   </p:transition>
+  <p:timing>
+    <p:tnLst>
+      <p:par>
+        <p:cTn id="1" dur="indefinite" restart="never" nodeType="tmRoot"/>
+      </p:par>
+    </p:tnLst>
+  </p:timing>
 </p:sld>
 </file>
 
@@ -6411,6 +6558,13 @@
   <p:transition>
     <p:fade/>
   </p:transition>
+  <p:timing>
+    <p:tnLst>
+      <p:par>
+        <p:cTn id="1" dur="indefinite" restart="never" nodeType="tmRoot"/>
+      </p:par>
+    </p:tnLst>
+  </p:timing>
 </p:sld>
 </file>
 
@@ -6563,6 +6717,13 @@
   <p:transition>
     <p:fade/>
   </p:transition>
+  <p:timing>
+    <p:tnLst>
+      <p:par>
+        <p:cTn id="1" dur="indefinite" restart="never" nodeType="tmRoot"/>
+      </p:par>
+    </p:tnLst>
+  </p:timing>
 </p:sld>
 </file>
 
@@ -6675,6 +6836,13 @@
   <p:transition>
     <p:fade/>
   </p:transition>
+  <p:timing>
+    <p:tnLst>
+      <p:par>
+        <p:cTn id="1" dur="indefinite" restart="never" nodeType="tmRoot"/>
+      </p:par>
+    </p:tnLst>
+  </p:timing>
 </p:sld>
 </file>
 
@@ -6783,6 +6951,13 @@
   <p:transition>
     <p:fade/>
   </p:transition>
+  <p:timing>
+    <p:tnLst>
+      <p:par>
+        <p:cTn id="1" dur="indefinite" restart="never" nodeType="tmRoot"/>
+      </p:par>
+    </p:tnLst>
+  </p:timing>
 </p:sld>
 </file>
 
@@ -6883,6 +7058,13 @@
   <p:transition>
     <p:fade/>
   </p:transition>
+  <p:timing>
+    <p:tnLst>
+      <p:par>
+        <p:cTn id="1" dur="indefinite" restart="never" nodeType="tmRoot"/>
+      </p:par>
+    </p:tnLst>
+  </p:timing>
 </p:sld>
 </file>
 
